--- a/docs/diagrams/CheckStock.pptx
+++ b/docs/diagrams/CheckStock.pptx
@@ -104,6 +104,11 @@
       </a:defRPr>
     </a:lvl9pPr>
   </p:defaultTextStyle>
+  <p:extLst>
+    <p:ext uri="{EFAFB233-063F-42B5-8137-9DF3F51BA10A}">
+      <p15:sldGuideLst xmlns:p15="http://schemas.microsoft.com/office/powerpoint/2012/main"/>
+    </p:ext>
+  </p:extLst>
 </p:presentation>
 </file>
 
@@ -2979,8 +2984,8 @@
         </p:blipFill>
         <p:spPr>
           <a:xfrm>
-            <a:off x="0" y="0"/>
-            <a:ext cx="12277559" cy="6954982"/>
+            <a:off x="1" y="0"/>
+            <a:ext cx="12192000" cy="6906515"/>
           </a:xfrm>
           <a:prstGeom prst="rect">
             <a:avLst/>

--- a/docs/diagrams/CheckStock.pptx
+++ b/docs/diagrams/CheckStock.pptx
@@ -243,7 +243,7 @@
           <a:p>
             <a:fld id="{4B1B3840-DCE7-4977-B550-CF73E465F408}" type="datetimeFigureOut">
               <a:rPr lang="en-SG" smtClean="0"/>
-              <a:t>11/11/2018</a:t>
+              <a:t>12/11/2018</a:t>
             </a:fld>
             <a:endParaRPr lang="en-SG"/>
           </a:p>
@@ -413,7 +413,7 @@
           <a:p>
             <a:fld id="{4B1B3840-DCE7-4977-B550-CF73E465F408}" type="datetimeFigureOut">
               <a:rPr lang="en-SG" smtClean="0"/>
-              <a:t>11/11/2018</a:t>
+              <a:t>12/11/2018</a:t>
             </a:fld>
             <a:endParaRPr lang="en-SG"/>
           </a:p>
@@ -593,7 +593,7 @@
           <a:p>
             <a:fld id="{4B1B3840-DCE7-4977-B550-CF73E465F408}" type="datetimeFigureOut">
               <a:rPr lang="en-SG" smtClean="0"/>
-              <a:t>11/11/2018</a:t>
+              <a:t>12/11/2018</a:t>
             </a:fld>
             <a:endParaRPr lang="en-SG"/>
           </a:p>
@@ -763,7 +763,7 @@
           <a:p>
             <a:fld id="{4B1B3840-DCE7-4977-B550-CF73E465F408}" type="datetimeFigureOut">
               <a:rPr lang="en-SG" smtClean="0"/>
-              <a:t>11/11/2018</a:t>
+              <a:t>12/11/2018</a:t>
             </a:fld>
             <a:endParaRPr lang="en-SG"/>
           </a:p>
@@ -1009,7 +1009,7 @@
           <a:p>
             <a:fld id="{4B1B3840-DCE7-4977-B550-CF73E465F408}" type="datetimeFigureOut">
               <a:rPr lang="en-SG" smtClean="0"/>
-              <a:t>11/11/2018</a:t>
+              <a:t>12/11/2018</a:t>
             </a:fld>
             <a:endParaRPr lang="en-SG"/>
           </a:p>
@@ -1241,7 +1241,7 @@
           <a:p>
             <a:fld id="{4B1B3840-DCE7-4977-B550-CF73E465F408}" type="datetimeFigureOut">
               <a:rPr lang="en-SG" smtClean="0"/>
-              <a:t>11/11/2018</a:t>
+              <a:t>12/11/2018</a:t>
             </a:fld>
             <a:endParaRPr lang="en-SG"/>
           </a:p>
@@ -1608,7 +1608,7 @@
           <a:p>
             <a:fld id="{4B1B3840-DCE7-4977-B550-CF73E465F408}" type="datetimeFigureOut">
               <a:rPr lang="en-SG" smtClean="0"/>
-              <a:t>11/11/2018</a:t>
+              <a:t>12/11/2018</a:t>
             </a:fld>
             <a:endParaRPr lang="en-SG"/>
           </a:p>
@@ -1726,7 +1726,7 @@
           <a:p>
             <a:fld id="{4B1B3840-DCE7-4977-B550-CF73E465F408}" type="datetimeFigureOut">
               <a:rPr lang="en-SG" smtClean="0"/>
-              <a:t>11/11/2018</a:t>
+              <a:t>12/11/2018</a:t>
             </a:fld>
             <a:endParaRPr lang="en-SG"/>
           </a:p>
@@ -1821,7 +1821,7 @@
           <a:p>
             <a:fld id="{4B1B3840-DCE7-4977-B550-CF73E465F408}" type="datetimeFigureOut">
               <a:rPr lang="en-SG" smtClean="0"/>
-              <a:t>11/11/2018</a:t>
+              <a:t>12/11/2018</a:t>
             </a:fld>
             <a:endParaRPr lang="en-SG"/>
           </a:p>
@@ -2098,7 +2098,7 @@
           <a:p>
             <a:fld id="{4B1B3840-DCE7-4977-B550-CF73E465F408}" type="datetimeFigureOut">
               <a:rPr lang="en-SG" smtClean="0"/>
-              <a:t>11/11/2018</a:t>
+              <a:t>12/11/2018</a:t>
             </a:fld>
             <a:endParaRPr lang="en-SG"/>
           </a:p>
@@ -2351,7 +2351,7 @@
           <a:p>
             <a:fld id="{4B1B3840-DCE7-4977-B550-CF73E465F408}" type="datetimeFigureOut">
               <a:rPr lang="en-SG" smtClean="0"/>
-              <a:t>11/11/2018</a:t>
+              <a:t>12/11/2018</a:t>
             </a:fld>
             <a:endParaRPr lang="en-SG"/>
           </a:p>
@@ -2564,7 +2564,7 @@
           <a:p>
             <a:fld id="{4B1B3840-DCE7-4977-B550-CF73E465F408}" type="datetimeFigureOut">
               <a:rPr lang="en-SG" smtClean="0"/>
-              <a:t>11/11/2018</a:t>
+              <a:t>12/11/2018</a:t>
             </a:fld>
             <a:endParaRPr lang="en-SG"/>
           </a:p>
@@ -3095,7 +3095,7 @@
         <p:spPr>
           <a:xfrm>
             <a:off x="1330036" y="1962913"/>
-            <a:ext cx="4342471" cy="369332"/>
+            <a:ext cx="4812856" cy="369332"/>
           </a:xfrm>
           <a:prstGeom prst="rect">
             <a:avLst/>
@@ -3114,7 +3114,15 @@
                   <a:schemeClr val="bg1"/>
                 </a:solidFill>
               </a:rPr>
-              <a:t>1. Type “</a:t>
+              <a:t>Step 1</a:t>
+            </a:r>
+            <a:r>
+              <a:rPr lang="en-SG" dirty="0" smtClean="0">
+                <a:solidFill>
+                  <a:schemeClr val="bg1"/>
+                </a:solidFill>
+              </a:rPr>
+              <a:t>. Type “</a:t>
             </a:r>
             <a:r>
               <a:rPr lang="en-SG" dirty="0" err="1" smtClean="0">
@@ -3149,7 +3157,7 @@
         <p:spPr>
           <a:xfrm>
             <a:off x="3440380" y="3897870"/>
-            <a:ext cx="3713902" cy="646331"/>
+            <a:ext cx="3817712" cy="646331"/>
           </a:xfrm>
           <a:prstGeom prst="rect">
             <a:avLst/>
@@ -3163,12 +3171,20 @@
           <a:lstStyle/>
           <a:p>
             <a:r>
+              <a:rPr lang="en-SG" smtClean="0">
+                <a:solidFill>
+                  <a:schemeClr val="bg1"/>
+                </a:solidFill>
+              </a:rPr>
+              <a:t>Step 2</a:t>
+            </a:r>
+            <a:r>
               <a:rPr lang="en-SG" dirty="0" smtClean="0">
                 <a:solidFill>
                   <a:schemeClr val="bg1"/>
                 </a:solidFill>
               </a:rPr>
-              <a:t>2. See the medicine panel for the </a:t>
+              <a:t>. See the medicine panel for the </a:t>
             </a:r>
           </a:p>
           <a:p>
